--- a/Recap_System_Realtime_ProcessorExpert.pptx
+++ b/Recap_System_Realtime_ProcessorExpert.pptx
@@ -2,7 +2,7 @@
 <file path=ppt/presentation.xml><?xml version="1.0" encoding="utf-8"?>
 <p:presentation xmlns:a="http://schemas.openxmlformats.org/drawingml/2006/main" xmlns:r="http://schemas.openxmlformats.org/officeDocument/2006/relationships" xmlns:p="http://schemas.openxmlformats.org/presentationml/2006/main" autoCompressPictures="0">
   <p:sldMasterIdLst>
-    <p:sldMasterId id="2147483648" r:id="rId1"/>
+    <p:sldMasterId id="2147483754" r:id="rId1"/>
   </p:sldMasterIdLst>
   <p:notesMasterIdLst>
     <p:notesMasterId r:id="rId15"/>
@@ -119,6 +119,11 @@
       </a:defRPr>
     </a:lvl9pPr>
   </p:defaultTextStyle>
+  <p:extLst>
+    <p:ext uri="{EFAFB233-063F-42B5-8137-9DF3F51BA10A}">
+      <p15:sldGuideLst xmlns:p15="http://schemas.microsoft.com/office/powerpoint/2012/main"/>
+    </p:ext>
+  </p:extLst>
 </p:presentation>
 </file>
 
@@ -204,7 +209,7 @@
           <a:p>
             <a:fld id="{9C637C2C-048F-4B06-B126-4F431C8DDC1C}" type="datetimeFigureOut">
               <a:rPr lang="de-CH" smtClean="0"/>
-              <a:t>02.03.2015</a:t>
+              <a:t>03.03.2015</a:t>
             </a:fld>
             <a:endParaRPr lang="de-CH"/>
           </a:p>
@@ -596,7 +601,6 @@
               <a:rPr lang="en-US" baseline="0" dirty="0" smtClean="0"/>
               <a:t> is going to overheat</a:t>
             </a:r>
-            <a:endParaRPr lang="en-US" baseline="0" dirty="0" smtClean="0"/>
           </a:p>
           <a:p>
             <a:pPr marL="171450" indent="-171450">
@@ -607,7 +611,6 @@
               <a:rPr lang="en-US" baseline="0" dirty="0" smtClean="0"/>
               <a:t>Control loop for external event</a:t>
             </a:r>
-            <a:endParaRPr lang="en-US" baseline="0" dirty="0" smtClean="0"/>
           </a:p>
           <a:p>
             <a:pPr marL="171450" indent="-171450">
@@ -1985,9 +1988,9 @@
           <a:lstStyle/>
           <a:p>
             <a:fld id="{B61BEF0D-F0BB-DE4B-95CE-6DB70DBA9567}" type="datetimeFigureOut">
-              <a:rPr lang="en-US" dirty="0"/>
+              <a:rPr lang="en-US" smtClean="0"/>
               <a:pPr/>
-              <a:t>3/2/2015</a:t>
+              <a:t>3/3/2015</a:t>
             </a:fld>
             <a:endParaRPr lang="en-US" dirty="0"/>
           </a:p>
@@ -2028,7 +2031,7 @@
           <a:lstStyle/>
           <a:p>
             <a:fld id="{D57F1E4F-1CFF-5643-939E-217C01CDF565}" type="slidenum">
-              <a:rPr lang="en-US" dirty="0"/>
+              <a:rPr lang="en-US" smtClean="0"/>
               <a:pPr/>
               <a:t>‹Nr.›</a:t>
             </a:fld>
@@ -2037,17 +2040,15 @@
         </p:txBody>
       </p:sp>
     </p:spTree>
+    <p:extLst>
+      <p:ext uri="{BB962C8B-B14F-4D97-AF65-F5344CB8AC3E}">
+        <p14:creationId xmlns:p14="http://schemas.microsoft.com/office/powerpoint/2010/main" val="3909267899"/>
+      </p:ext>
+    </p:extLst>
   </p:cSld>
   <p:clrMapOvr>
     <a:masterClrMapping/>
   </p:clrMapOvr>
-  <p:timing>
-    <p:tnLst>
-      <p:par>
-        <p:cTn id="1" dur="indefinite" restart="never" nodeType="tmRoot"/>
-      </p:par>
-    </p:tnLst>
-  </p:timing>
 </p:sldLayout>
 </file>
 
@@ -2240,9 +2241,9 @@
           <a:lstStyle/>
           <a:p>
             <a:fld id="{B61BEF0D-F0BB-DE4B-95CE-6DB70DBA9567}" type="datetimeFigureOut">
-              <a:rPr lang="en-US" dirty="0"/>
+              <a:rPr lang="en-US" smtClean="0"/>
               <a:pPr/>
-              <a:t>3/2/2015</a:t>
+              <a:t>3/3/2015</a:t>
             </a:fld>
             <a:endParaRPr lang="en-US" dirty="0"/>
           </a:p>
@@ -2283,7 +2284,7 @@
           <a:lstStyle/>
           <a:p>
             <a:fld id="{D57F1E4F-1CFF-5643-939E-217C01CDF565}" type="slidenum">
-              <a:rPr lang="en-US" dirty="0"/>
+              <a:rPr lang="en-US" smtClean="0"/>
               <a:pPr/>
               <a:t>‹Nr.›</a:t>
             </a:fld>
@@ -2292,17 +2293,15 @@
         </p:txBody>
       </p:sp>
     </p:spTree>
+    <p:extLst>
+      <p:ext uri="{BB962C8B-B14F-4D97-AF65-F5344CB8AC3E}">
+        <p14:creationId xmlns:p14="http://schemas.microsoft.com/office/powerpoint/2010/main" val="4202848326"/>
+      </p:ext>
+    </p:extLst>
   </p:cSld>
   <p:clrMapOvr>
     <a:masterClrMapping/>
   </p:clrMapOvr>
-  <p:timing>
-    <p:tnLst>
-      <p:par>
-        <p:cTn id="1" dur="indefinite" restart="never" nodeType="tmRoot"/>
-      </p:par>
-    </p:tnLst>
-  </p:timing>
 </p:sldLayout>
 </file>
 
@@ -2335,7 +2334,7 @@
         </p:nvSpPr>
         <p:spPr>
           <a:xfrm>
-            <a:off x="931334" y="1102755"/>
+            <a:off x="931334" y="609600"/>
             <a:ext cx="8094134" cy="3022600"/>
           </a:xfrm>
         </p:spPr>
@@ -2369,7 +2368,7 @@
         </p:nvSpPr>
         <p:spPr>
           <a:xfrm>
-            <a:off x="1151470" y="673933"/>
+            <a:off x="1366139" y="3632200"/>
             <a:ext cx="7224524" cy="381000"/>
           </a:xfrm>
         </p:spPr>
@@ -2558,9 +2557,9 @@
           <a:lstStyle/>
           <a:p>
             <a:fld id="{B61BEF0D-F0BB-DE4B-95CE-6DB70DBA9567}" type="datetimeFigureOut">
-              <a:rPr lang="en-US" dirty="0"/>
+              <a:rPr lang="en-US" smtClean="0"/>
               <a:pPr/>
-              <a:t>3/2/2015</a:t>
+              <a:t>3/3/2015</a:t>
             </a:fld>
             <a:endParaRPr lang="en-US" dirty="0"/>
           </a:p>
@@ -2601,7 +2600,7 @@
           <a:lstStyle/>
           <a:p>
             <a:fld id="{D57F1E4F-1CFF-5643-939E-217C01CDF565}" type="slidenum">
-              <a:rPr lang="en-US" dirty="0"/>
+              <a:rPr lang="en-US" smtClean="0"/>
               <a:pPr/>
               <a:t>‹Nr.›</a:t>
             </a:fld>
@@ -2617,7 +2616,7 @@
         </p:nvSpPr>
         <p:spPr>
           <a:xfrm>
-            <a:off x="541870" y="1149970"/>
+            <a:off x="541870" y="790378"/>
             <a:ext cx="609600" cy="584776"/>
           </a:xfrm>
           <a:prstGeom prst="rect">
@@ -2658,7 +2657,7 @@
         </p:nvSpPr>
         <p:spPr>
           <a:xfrm>
-            <a:off x="8893011" y="3636562"/>
+            <a:off x="8893011" y="2886556"/>
             <a:ext cx="609600" cy="584776"/>
           </a:xfrm>
           <a:prstGeom prst="rect">
@@ -2692,17 +2691,15 @@
         </p:txBody>
       </p:sp>
     </p:spTree>
+    <p:extLst>
+      <p:ext uri="{BB962C8B-B14F-4D97-AF65-F5344CB8AC3E}">
+        <p14:creationId xmlns:p14="http://schemas.microsoft.com/office/powerpoint/2010/main" val="1741477350"/>
+      </p:ext>
+    </p:extLst>
   </p:cSld>
   <p:clrMapOvr>
     <a:masterClrMapping/>
   </p:clrMapOvr>
-  <p:timing>
-    <p:tnLst>
-      <p:par>
-        <p:cTn id="1" dur="indefinite" restart="never" nodeType="tmRoot"/>
-      </p:par>
-    </p:tnLst>
-  </p:timing>
 </p:sldLayout>
 </file>
 
@@ -2895,9 +2892,9 @@
           <a:lstStyle/>
           <a:p>
             <a:fld id="{B61BEF0D-F0BB-DE4B-95CE-6DB70DBA9567}" type="datetimeFigureOut">
-              <a:rPr lang="en-US" dirty="0"/>
+              <a:rPr lang="en-US" smtClean="0"/>
               <a:pPr/>
-              <a:t>3/2/2015</a:t>
+              <a:t>3/3/2015</a:t>
             </a:fld>
             <a:endParaRPr lang="en-US" dirty="0"/>
           </a:p>
@@ -2938,7 +2935,7 @@
           <a:lstStyle/>
           <a:p>
             <a:fld id="{D57F1E4F-1CFF-5643-939E-217C01CDF565}" type="slidenum">
-              <a:rPr lang="en-US" dirty="0"/>
+              <a:rPr lang="en-US" smtClean="0"/>
               <a:pPr/>
               <a:t>‹Nr.›</a:t>
             </a:fld>
@@ -2947,17 +2944,15 @@
         </p:txBody>
       </p:sp>
     </p:spTree>
+    <p:extLst>
+      <p:ext uri="{BB962C8B-B14F-4D97-AF65-F5344CB8AC3E}">
+        <p14:creationId xmlns:p14="http://schemas.microsoft.com/office/powerpoint/2010/main" val="3314447685"/>
+      </p:ext>
+    </p:extLst>
   </p:cSld>
   <p:clrMapOvr>
     <a:masterClrMapping/>
   </p:clrMapOvr>
-  <p:timing>
-    <p:tnLst>
-      <p:par>
-        <p:cTn id="1" dur="indefinite" restart="never" nodeType="tmRoot"/>
-      </p:par>
-    </p:tnLst>
-  </p:timing>
 </p:sldLayout>
 </file>
 
@@ -3213,9 +3208,9 @@
           <a:lstStyle/>
           <a:p>
             <a:fld id="{B61BEF0D-F0BB-DE4B-95CE-6DB70DBA9567}" type="datetimeFigureOut">
-              <a:rPr lang="en-US" dirty="0"/>
+              <a:rPr lang="en-US" smtClean="0"/>
               <a:pPr/>
-              <a:t>3/2/2015</a:t>
+              <a:t>3/3/2015</a:t>
             </a:fld>
             <a:endParaRPr lang="en-US" dirty="0"/>
           </a:p>
@@ -3256,7 +3251,7 @@
           <a:lstStyle/>
           <a:p>
             <a:fld id="{D57F1E4F-1CFF-5643-939E-217C01CDF565}" type="slidenum">
-              <a:rPr lang="en-US" dirty="0"/>
+              <a:rPr lang="en-US" smtClean="0"/>
               <a:pPr/>
               <a:t>‹Nr.›</a:t>
             </a:fld>
@@ -3347,17 +3342,15 @@
         </p:txBody>
       </p:sp>
     </p:spTree>
+    <p:extLst>
+      <p:ext uri="{BB962C8B-B14F-4D97-AF65-F5344CB8AC3E}">
+        <p14:creationId xmlns:p14="http://schemas.microsoft.com/office/powerpoint/2010/main" val="1390519304"/>
+      </p:ext>
+    </p:extLst>
   </p:cSld>
   <p:clrMapOvr>
     <a:masterClrMapping/>
   </p:clrMapOvr>
-  <p:timing>
-    <p:tnLst>
-      <p:par>
-        <p:cTn id="1" dur="indefinite" restart="never" nodeType="tmRoot"/>
-      </p:par>
-    </p:tnLst>
-  </p:timing>
 </p:sldLayout>
 </file>
 
@@ -3610,9 +3603,9 @@
           <a:lstStyle/>
           <a:p>
             <a:fld id="{B61BEF0D-F0BB-DE4B-95CE-6DB70DBA9567}" type="datetimeFigureOut">
-              <a:rPr lang="en-US" dirty="0"/>
+              <a:rPr lang="en-US" smtClean="0"/>
               <a:pPr/>
-              <a:t>3/2/2015</a:t>
+              <a:t>3/3/2015</a:t>
             </a:fld>
             <a:endParaRPr lang="en-US" dirty="0"/>
           </a:p>
@@ -3653,7 +3646,7 @@
           <a:lstStyle/>
           <a:p>
             <a:fld id="{D57F1E4F-1CFF-5643-939E-217C01CDF565}" type="slidenum">
-              <a:rPr lang="en-US" dirty="0"/>
+              <a:rPr lang="en-US" smtClean="0"/>
               <a:pPr/>
               <a:t>‹Nr.›</a:t>
             </a:fld>
@@ -3662,17 +3655,15 @@
         </p:txBody>
       </p:sp>
     </p:spTree>
+    <p:extLst>
+      <p:ext uri="{BB962C8B-B14F-4D97-AF65-F5344CB8AC3E}">
+        <p14:creationId xmlns:p14="http://schemas.microsoft.com/office/powerpoint/2010/main" val="1211837790"/>
+      </p:ext>
+    </p:extLst>
   </p:cSld>
   <p:clrMapOvr>
     <a:masterClrMapping/>
   </p:clrMapOvr>
-  <p:timing>
-    <p:tnLst>
-      <p:par>
-        <p:cTn id="1" dur="indefinite" restart="never" nodeType="tmRoot"/>
-      </p:par>
-    </p:tnLst>
-  </p:timing>
 </p:sldLayout>
 </file>
 
@@ -3784,8 +3775,8 @@
           <a:lstStyle/>
           <a:p>
             <a:fld id="{55C6B4A9-1611-4792-9094-5F34BCA07E0B}" type="datetimeFigureOut">
-              <a:rPr lang="en-US" dirty="0"/>
-              <a:t>3/2/2015</a:t>
+              <a:rPr lang="en-US" smtClean="0"/>
+              <a:t>3/3/2015</a:t>
             </a:fld>
             <a:endParaRPr lang="en-US" dirty="0"/>
           </a:p>
@@ -3826,7 +3817,7 @@
           <a:lstStyle/>
           <a:p>
             <a:fld id="{89333C77-0158-454C-844F-B7AB9BD7DAD4}" type="slidenum">
-              <a:rPr lang="en-US" dirty="0"/>
+              <a:rPr lang="en-US" smtClean="0"/>
               <a:t>‹Nr.›</a:t>
             </a:fld>
             <a:endParaRPr lang="en-US" dirty="0"/>
@@ -3834,6 +3825,11 @@
         </p:txBody>
       </p:sp>
     </p:spTree>
+    <p:extLst>
+      <p:ext uri="{BB962C8B-B14F-4D97-AF65-F5344CB8AC3E}">
+        <p14:creationId xmlns:p14="http://schemas.microsoft.com/office/powerpoint/2010/main" val="3127262487"/>
+      </p:ext>
+    </p:extLst>
   </p:cSld>
   <p:clrMapOvr>
     <a:masterClrMapping/>
@@ -3959,9 +3955,9 @@
           <a:lstStyle/>
           <a:p>
             <a:fld id="{B61BEF0D-F0BB-DE4B-95CE-6DB70DBA9567}" type="datetimeFigureOut">
-              <a:rPr lang="en-US" dirty="0"/>
+              <a:rPr lang="en-US" smtClean="0"/>
               <a:pPr/>
-              <a:t>3/2/2015</a:t>
+              <a:t>3/3/2015</a:t>
             </a:fld>
             <a:endParaRPr lang="en-US" dirty="0"/>
           </a:p>
@@ -4002,7 +3998,7 @@
           <a:lstStyle/>
           <a:p>
             <a:fld id="{D57F1E4F-1CFF-5643-939E-217C01CDF565}" type="slidenum">
-              <a:rPr lang="en-US" dirty="0"/>
+              <a:rPr lang="en-US" smtClean="0"/>
               <a:pPr/>
               <a:t>‹Nr.›</a:t>
             </a:fld>
@@ -4011,6 +4007,11 @@
         </p:txBody>
       </p:sp>
     </p:spTree>
+    <p:extLst>
+      <p:ext uri="{BB962C8B-B14F-4D97-AF65-F5344CB8AC3E}">
+        <p14:creationId xmlns:p14="http://schemas.microsoft.com/office/powerpoint/2010/main" val="1580338720"/>
+      </p:ext>
+    </p:extLst>
   </p:cSld>
   <p:clrMapOvr>
     <a:masterClrMapping/>
@@ -4126,8 +4127,8 @@
           <a:lstStyle/>
           <a:p>
             <a:fld id="{42A54C80-263E-416B-A8E0-580EDEADCBDC}" type="datetimeFigureOut">
-              <a:rPr lang="en-US" dirty="0"/>
-              <a:t>3/2/2015</a:t>
+              <a:rPr lang="en-US" smtClean="0"/>
+              <a:t>3/3/2015</a:t>
             </a:fld>
             <a:endParaRPr lang="en-US" dirty="0"/>
           </a:p>
@@ -4168,7 +4169,7 @@
           <a:lstStyle/>
           <a:p>
             <a:fld id="{519954A3-9DFD-4C44-94BA-B95130A3BA1C}" type="slidenum">
-              <a:rPr lang="en-US" dirty="0"/>
+              <a:rPr lang="en-US" smtClean="0"/>
               <a:t>‹Nr.›</a:t>
             </a:fld>
             <a:endParaRPr lang="en-US" dirty="0"/>
@@ -4176,17 +4177,15 @@
         </p:txBody>
       </p:sp>
     </p:spTree>
+    <p:extLst>
+      <p:ext uri="{BB962C8B-B14F-4D97-AF65-F5344CB8AC3E}">
+        <p14:creationId xmlns:p14="http://schemas.microsoft.com/office/powerpoint/2010/main" val="471285414"/>
+      </p:ext>
+    </p:extLst>
   </p:cSld>
   <p:clrMapOvr>
     <a:masterClrMapping/>
   </p:clrMapOvr>
-  <p:timing>
-    <p:tnLst>
-      <p:par>
-        <p:cTn id="1" dur="indefinite" restart="never" nodeType="tmRoot"/>
-      </p:par>
-    </p:tnLst>
-  </p:timing>
 </p:sldLayout>
 </file>
 
@@ -4375,9 +4374,9 @@
           <a:lstStyle/>
           <a:p>
             <a:fld id="{B61BEF0D-F0BB-DE4B-95CE-6DB70DBA9567}" type="datetimeFigureOut">
-              <a:rPr lang="en-US" dirty="0"/>
+              <a:rPr lang="en-US" smtClean="0"/>
               <a:pPr/>
-              <a:t>3/2/2015</a:t>
+              <a:t>3/3/2015</a:t>
             </a:fld>
             <a:endParaRPr lang="en-US" dirty="0"/>
           </a:p>
@@ -4418,7 +4417,7 @@
           <a:lstStyle/>
           <a:p>
             <a:fld id="{D57F1E4F-1CFF-5643-939E-217C01CDF565}" type="slidenum">
-              <a:rPr lang="en-US" dirty="0"/>
+              <a:rPr lang="en-US" smtClean="0"/>
               <a:pPr/>
               <a:t>‹Nr.›</a:t>
             </a:fld>
@@ -4427,17 +4426,15 @@
         </p:txBody>
       </p:sp>
     </p:spTree>
+    <p:extLst>
+      <p:ext uri="{BB962C8B-B14F-4D97-AF65-F5344CB8AC3E}">
+        <p14:creationId xmlns:p14="http://schemas.microsoft.com/office/powerpoint/2010/main" val="1590761304"/>
+      </p:ext>
+    </p:extLst>
   </p:cSld>
   <p:clrMapOvr>
     <a:masterClrMapping/>
   </p:clrMapOvr>
-  <p:timing>
-    <p:tnLst>
-      <p:par>
-        <p:cTn id="1" dur="indefinite" restart="never" nodeType="tmRoot"/>
-      </p:par>
-    </p:tnLst>
-  </p:timing>
 </p:sldLayout>
 </file>
 
@@ -4611,8 +4608,8 @@
           <a:lstStyle/>
           <a:p>
             <a:fld id="{42A54C80-263E-416B-A8E0-580EDEADCBDC}" type="datetimeFigureOut">
-              <a:rPr lang="en-US" dirty="0"/>
-              <a:t>3/2/2015</a:t>
+              <a:rPr lang="en-US" smtClean="0"/>
+              <a:t>3/3/2015</a:t>
             </a:fld>
             <a:endParaRPr lang="en-US" dirty="0"/>
           </a:p>
@@ -4653,7 +4650,7 @@
           <a:lstStyle/>
           <a:p>
             <a:fld id="{519954A3-9DFD-4C44-94BA-B95130A3BA1C}" type="slidenum">
-              <a:rPr lang="en-US" dirty="0"/>
+              <a:rPr lang="en-US" smtClean="0"/>
               <a:t>‹Nr.›</a:t>
             </a:fld>
             <a:endParaRPr lang="en-US" dirty="0"/>
@@ -4661,17 +4658,15 @@
         </p:txBody>
       </p:sp>
     </p:spTree>
+    <p:extLst>
+      <p:ext uri="{BB962C8B-B14F-4D97-AF65-F5344CB8AC3E}">
+        <p14:creationId xmlns:p14="http://schemas.microsoft.com/office/powerpoint/2010/main" val="1211752607"/>
+      </p:ext>
+    </p:extLst>
   </p:cSld>
   <p:clrMapOvr>
     <a:masterClrMapping/>
   </p:clrMapOvr>
-  <p:timing>
-    <p:tnLst>
-      <p:par>
-        <p:cTn id="1" dur="indefinite" restart="never" nodeType="tmRoot"/>
-      </p:par>
-    </p:tnLst>
-  </p:timing>
 </p:sldLayout>
 </file>
 
@@ -4987,9 +4982,9 @@
           <a:lstStyle/>
           <a:p>
             <a:fld id="{B61BEF0D-F0BB-DE4B-95CE-6DB70DBA9567}" type="datetimeFigureOut">
-              <a:rPr lang="en-US" dirty="0"/>
+              <a:rPr lang="en-US" smtClean="0"/>
               <a:pPr/>
-              <a:t>3/2/2015</a:t>
+              <a:t>3/3/2015</a:t>
             </a:fld>
             <a:endParaRPr lang="en-US" dirty="0"/>
           </a:p>
@@ -5030,7 +5025,7 @@
           <a:lstStyle/>
           <a:p>
             <a:fld id="{D57F1E4F-1CFF-5643-939E-217C01CDF565}" type="slidenum">
-              <a:rPr lang="en-US" dirty="0"/>
+              <a:rPr lang="en-US" smtClean="0"/>
               <a:pPr/>
               <a:t>‹Nr.›</a:t>
             </a:fld>
@@ -5039,17 +5034,15 @@
         </p:txBody>
       </p:sp>
     </p:spTree>
+    <p:extLst>
+      <p:ext uri="{BB962C8B-B14F-4D97-AF65-F5344CB8AC3E}">
+        <p14:creationId xmlns:p14="http://schemas.microsoft.com/office/powerpoint/2010/main" val="931341"/>
+      </p:ext>
+    </p:extLst>
   </p:cSld>
   <p:clrMapOvr>
     <a:masterClrMapping/>
   </p:clrMapOvr>
-  <p:timing>
-    <p:tnLst>
-      <p:par>
-        <p:cTn id="1" dur="indefinite" restart="never" nodeType="tmRoot"/>
-      </p:par>
-    </p:tnLst>
-  </p:timing>
 </p:sldLayout>
 </file>
 
@@ -5114,9 +5107,9 @@
           <a:lstStyle/>
           <a:p>
             <a:fld id="{B61BEF0D-F0BB-DE4B-95CE-6DB70DBA9567}" type="datetimeFigureOut">
-              <a:rPr lang="en-US" dirty="0"/>
+              <a:rPr lang="en-US" smtClean="0"/>
               <a:pPr/>
-              <a:t>3/2/2015</a:t>
+              <a:t>3/3/2015</a:t>
             </a:fld>
             <a:endParaRPr lang="en-US" dirty="0"/>
           </a:p>
@@ -5157,7 +5150,7 @@
           <a:lstStyle/>
           <a:p>
             <a:fld id="{D57F1E4F-1CFF-5643-939E-217C01CDF565}" type="slidenum">
-              <a:rPr lang="en-US" dirty="0"/>
+              <a:rPr lang="en-US" smtClean="0"/>
               <a:pPr/>
               <a:t>‹Nr.›</a:t>
             </a:fld>
@@ -5166,17 +5159,15 @@
         </p:txBody>
       </p:sp>
     </p:spTree>
+    <p:extLst>
+      <p:ext uri="{BB962C8B-B14F-4D97-AF65-F5344CB8AC3E}">
+        <p14:creationId xmlns:p14="http://schemas.microsoft.com/office/powerpoint/2010/main" val="195395929"/>
+      </p:ext>
+    </p:extLst>
   </p:cSld>
   <p:clrMapOvr>
     <a:masterClrMapping/>
   </p:clrMapOvr>
-  <p:timing>
-    <p:tnLst>
-      <p:par>
-        <p:cTn id="1" dur="indefinite" restart="never" nodeType="tmRoot"/>
-      </p:par>
-    </p:tnLst>
-  </p:timing>
 </p:sldLayout>
 </file>
 
@@ -5213,9 +5204,9 @@
           <a:lstStyle/>
           <a:p>
             <a:fld id="{B61BEF0D-F0BB-DE4B-95CE-6DB70DBA9567}" type="datetimeFigureOut">
-              <a:rPr lang="en-US" dirty="0"/>
+              <a:rPr lang="en-US" smtClean="0"/>
               <a:pPr/>
-              <a:t>3/2/2015</a:t>
+              <a:t>3/3/2015</a:t>
             </a:fld>
             <a:endParaRPr lang="en-US" dirty="0"/>
           </a:p>
@@ -5256,7 +5247,7 @@
           <a:lstStyle/>
           <a:p>
             <a:fld id="{D57F1E4F-1CFF-5643-939E-217C01CDF565}" type="slidenum">
-              <a:rPr lang="en-US" dirty="0"/>
+              <a:rPr lang="en-US" smtClean="0"/>
               <a:pPr/>
               <a:t>‹Nr.›</a:t>
             </a:fld>
@@ -5265,17 +5256,15 @@
         </p:txBody>
       </p:sp>
     </p:spTree>
+    <p:extLst>
+      <p:ext uri="{BB962C8B-B14F-4D97-AF65-F5344CB8AC3E}">
+        <p14:creationId xmlns:p14="http://schemas.microsoft.com/office/powerpoint/2010/main" val="4204111248"/>
+      </p:ext>
+    </p:extLst>
   </p:cSld>
   <p:clrMapOvr>
     <a:masterClrMapping/>
   </p:clrMapOvr>
-  <p:timing>
-    <p:tnLst>
-      <p:par>
-        <p:cTn id="1" dur="indefinite" restart="never" nodeType="tmRoot"/>
-      </p:par>
-    </p:tnLst>
-  </p:timing>
 </p:sldLayout>
 </file>
 
@@ -5472,8 +5461,8 @@
           <a:lstStyle/>
           <a:p>
             <a:fld id="{42A54C80-263E-416B-A8E0-580EDEADCBDC}" type="datetimeFigureOut">
-              <a:rPr lang="en-US" dirty="0"/>
-              <a:t>3/2/2015</a:t>
+              <a:rPr lang="en-US" smtClean="0"/>
+              <a:t>3/3/2015</a:t>
             </a:fld>
             <a:endParaRPr lang="en-US" dirty="0"/>
           </a:p>
@@ -5514,7 +5503,7 @@
           <a:lstStyle/>
           <a:p>
             <a:fld id="{519954A3-9DFD-4C44-94BA-B95130A3BA1C}" type="slidenum">
-              <a:rPr lang="en-US" dirty="0"/>
+              <a:rPr lang="en-US" smtClean="0"/>
               <a:t>‹Nr.›</a:t>
             </a:fld>
             <a:endParaRPr lang="en-US" dirty="0"/>
@@ -5522,17 +5511,15 @@
         </p:txBody>
       </p:sp>
     </p:spTree>
+    <p:extLst>
+      <p:ext uri="{BB962C8B-B14F-4D97-AF65-F5344CB8AC3E}">
+        <p14:creationId xmlns:p14="http://schemas.microsoft.com/office/powerpoint/2010/main" val="2978799975"/>
+      </p:ext>
+    </p:extLst>
   </p:cSld>
   <p:clrMapOvr>
     <a:masterClrMapping/>
   </p:clrMapOvr>
-  <p:timing>
-    <p:tnLst>
-      <p:par>
-        <p:cTn id="1" dur="indefinite" restart="never" nodeType="tmRoot"/>
-      </p:par>
-    </p:tnLst>
-  </p:timing>
 </p:sldLayout>
 </file>
 
@@ -5756,7 +5743,7 @@
           <a:lstStyle/>
           <a:p>
             <a:fld id="{D57F1E4F-1CFF-5643-939E-217C01CDF565}" type="slidenum">
-              <a:rPr lang="en-US" dirty="0"/>
+              <a:rPr lang="en-US" smtClean="0"/>
               <a:pPr/>
               <a:t>‹Nr.›</a:t>
             </a:fld>
@@ -5780,26 +5767,24 @@
           <a:lstStyle/>
           <a:p>
             <a:fld id="{B61BEF0D-F0BB-DE4B-95CE-6DB70DBA9567}" type="datetimeFigureOut">
-              <a:rPr lang="en-US" dirty="0"/>
+              <a:rPr lang="en-US" smtClean="0"/>
               <a:pPr/>
-              <a:t>3/2/2015</a:t>
+              <a:t>3/3/2015</a:t>
             </a:fld>
             <a:endParaRPr lang="en-US" dirty="0"/>
           </a:p>
         </p:txBody>
       </p:sp>
     </p:spTree>
+    <p:extLst>
+      <p:ext uri="{BB962C8B-B14F-4D97-AF65-F5344CB8AC3E}">
+        <p14:creationId xmlns:p14="http://schemas.microsoft.com/office/powerpoint/2010/main" val="1294329714"/>
+      </p:ext>
+    </p:extLst>
   </p:cSld>
   <p:clrMapOvr>
     <a:masterClrMapping/>
   </p:clrMapOvr>
-  <p:timing>
-    <p:tnLst>
-      <p:par>
-        <p:cTn id="1" dur="indefinite" restart="never" nodeType="tmRoot"/>
-      </p:par>
-    </p:tnLst>
-  </p:timing>
 </p:sldLayout>
 </file>
 
@@ -6485,9 +6470,9 @@
           </a:lstStyle>
           <a:p>
             <a:fld id="{B61BEF0D-F0BB-DE4B-95CE-6DB70DBA9567}" type="datetimeFigureOut">
-              <a:rPr lang="en-US" dirty="0"/>
+              <a:rPr lang="en-US" smtClean="0"/>
               <a:pPr/>
-              <a:t>3/2/2015</a:t>
+              <a:t>3/3/2015</a:t>
             </a:fld>
             <a:endParaRPr lang="en-US" dirty="0"/>
           </a:p>
@@ -6562,7 +6547,7 @@
           </a:lstStyle>
           <a:p>
             <a:fld id="{D57F1E4F-1CFF-5643-939E-217C01CDF565}" type="slidenum">
-              <a:rPr lang="en-US" dirty="0"/>
+              <a:rPr lang="en-US" smtClean="0"/>
               <a:pPr/>
               <a:t>‹Nr.›</a:t>
             </a:fld>
@@ -6571,25 +6556,30 @@
         </p:txBody>
       </p:sp>
     </p:spTree>
+    <p:extLst>
+      <p:ext uri="{BB962C8B-B14F-4D97-AF65-F5344CB8AC3E}">
+        <p14:creationId xmlns:p14="http://schemas.microsoft.com/office/powerpoint/2010/main" val="2531438709"/>
+      </p:ext>
+    </p:extLst>
   </p:cSld>
   <p:clrMap bg1="lt1" tx1="dk1" bg2="lt2" tx2="dk2" accent1="accent1" accent2="accent2" accent3="accent3" accent4="accent4" accent5="accent5" accent6="accent6" hlink="hlink" folHlink="folHlink"/>
   <p:sldLayoutIdLst>
-    <p:sldLayoutId id="2147483649" r:id="rId1"/>
-    <p:sldLayoutId id="2147483665" r:id="rId2"/>
-    <p:sldLayoutId id="2147483651" r:id="rId3"/>
-    <p:sldLayoutId id="2147483666" r:id="rId4"/>
-    <p:sldLayoutId id="2147483653" r:id="rId5"/>
-    <p:sldLayoutId id="2147483654" r:id="rId6"/>
-    <p:sldLayoutId id="2147483655" r:id="rId7"/>
-    <p:sldLayoutId id="2147483667" r:id="rId8"/>
-    <p:sldLayoutId id="2147483657" r:id="rId9"/>
-    <p:sldLayoutId id="2147483660" r:id="rId10"/>
-    <p:sldLayoutId id="2147483661" r:id="rId11"/>
-    <p:sldLayoutId id="2147483662" r:id="rId12"/>
-    <p:sldLayoutId id="2147483663" r:id="rId13"/>
-    <p:sldLayoutId id="2147483664" r:id="rId14"/>
-    <p:sldLayoutId id="2147483668" r:id="rId15"/>
-    <p:sldLayoutId id="2147483659" r:id="rId16"/>
+    <p:sldLayoutId id="2147483755" r:id="rId1"/>
+    <p:sldLayoutId id="2147483756" r:id="rId2"/>
+    <p:sldLayoutId id="2147483757" r:id="rId3"/>
+    <p:sldLayoutId id="2147483758" r:id="rId4"/>
+    <p:sldLayoutId id="2147483759" r:id="rId5"/>
+    <p:sldLayoutId id="2147483760" r:id="rId6"/>
+    <p:sldLayoutId id="2147483761" r:id="rId7"/>
+    <p:sldLayoutId id="2147483762" r:id="rId8"/>
+    <p:sldLayoutId id="2147483763" r:id="rId9"/>
+    <p:sldLayoutId id="2147483764" r:id="rId10"/>
+    <p:sldLayoutId id="2147483765" r:id="rId11"/>
+    <p:sldLayoutId id="2147483766" r:id="rId12"/>
+    <p:sldLayoutId id="2147483767" r:id="rId13"/>
+    <p:sldLayoutId id="2147483768" r:id="rId14"/>
+    <p:sldLayoutId id="2147483769" r:id="rId15"/>
+    <p:sldLayoutId id="2147483770" r:id="rId16"/>
   </p:sldLayoutIdLst>
   <p:txStyles>
     <p:titleStyle>
@@ -7024,15 +7014,7 @@
           <a:p>
             <a:r>
               <a:rPr lang="en-US" dirty="0" smtClean="0"/>
-              <a:t>Systems / </a:t>
-            </a:r>
-            <a:r>
-              <a:rPr lang="en-US" dirty="0" err="1" smtClean="0"/>
-              <a:t>Realtime</a:t>
-            </a:r>
-            <a:r>
-              <a:rPr lang="en-US" dirty="0" smtClean="0"/>
-              <a:t> / </a:t>
+              <a:t>Systems / Real-time / </a:t>
             </a:r>
             <a:r>
               <a:rPr lang="en-US" dirty="0" err="1" smtClean="0"/>
@@ -7710,17 +7692,15 @@
           <a:lstStyle/>
           <a:p>
             <a:r>
-              <a:rPr lang="en-US" dirty="0" err="1" smtClean="0"/>
-              <a:t>Systemtypes</a:t>
-            </a:r>
-            <a:endParaRPr lang="en-US" dirty="0" smtClean="0"/>
-          </a:p>
-          <a:p>
-            <a:r>
-              <a:rPr lang="en-US" dirty="0" err="1" smtClean="0"/>
-              <a:t>Realtime</a:t>
-            </a:r>
-            <a:endParaRPr lang="en-US" dirty="0" smtClean="0"/>
+              <a:rPr lang="en-US" dirty="0" smtClean="0"/>
+              <a:t>System types</a:t>
+            </a:r>
+          </a:p>
+          <a:p>
+            <a:r>
+              <a:rPr lang="en-US" dirty="0" smtClean="0"/>
+              <a:t>Real-time</a:t>
+            </a:r>
           </a:p>
           <a:p>
             <a:pPr lvl="1"/>
@@ -8088,15 +8068,7 @@
             </a:pPr>
             <a:r>
               <a:rPr lang="en-US" dirty="0" smtClean="0"/>
-              <a:t>	.... In a deterministic and </a:t>
-            </a:r>
-            <a:r>
-              <a:rPr lang="en-US" dirty="0" err="1" smtClean="0"/>
-              <a:t>forseeable</a:t>
-            </a:r>
-            <a:r>
-              <a:rPr lang="en-US" dirty="0" smtClean="0"/>
-              <a:t> way</a:t>
+              <a:t>	.... In a deterministic and foreseeable way</a:t>
             </a:r>
           </a:p>
           <a:p>
@@ -8541,8 +8513,8 @@
         </p:blipFill>
         <p:spPr>
           <a:xfrm>
-            <a:off x="2333171" y="2160588"/>
-            <a:ext cx="5285696" cy="3881437"/>
+            <a:off x="1281004" y="1350490"/>
+            <a:ext cx="6633286" cy="4871012"/>
           </a:xfrm>
           <a:prstGeom prst="rect">
             <a:avLst/>
@@ -8821,7 +8793,7 @@
 <file path=ppt/theme/theme1.xml><?xml version="1.0" encoding="utf-8"?>
 <a:theme xmlns:a="http://schemas.openxmlformats.org/drawingml/2006/main" name="Facette">
   <a:themeElements>
-    <a:clrScheme name="Facet">
+    <a:clrScheme name="Papier">
       <a:dk1>
         <a:sysClr val="windowText" lastClr="000000"/>
       </a:dk1>
@@ -8829,37 +8801,37 @@
         <a:sysClr val="window" lastClr="FFFFFF"/>
       </a:lt1>
       <a:dk2>
-        <a:srgbClr val="2C3C43"/>
+        <a:srgbClr val="444D26"/>
       </a:dk2>
       <a:lt2>
-        <a:srgbClr val="EBEBEB"/>
+        <a:srgbClr val="FEFAC9"/>
       </a:lt2>
       <a:accent1>
-        <a:srgbClr val="5FCBEF"/>
+        <a:srgbClr val="A5B592"/>
       </a:accent1>
       <a:accent2>
-        <a:srgbClr val="2E83C3"/>
+        <a:srgbClr val="F3A447"/>
       </a:accent2>
       <a:accent3>
-        <a:srgbClr val="42D0A2"/>
+        <a:srgbClr val="E7BC29"/>
       </a:accent3>
       <a:accent4>
-        <a:srgbClr val="2E946B"/>
+        <a:srgbClr val="D092A7"/>
       </a:accent4>
       <a:accent5>
-        <a:srgbClr val="42B051"/>
+        <a:srgbClr val="9C85C0"/>
       </a:accent5>
       <a:accent6>
-        <a:srgbClr val="96D141"/>
+        <a:srgbClr val="809EC2"/>
       </a:accent6>
       <a:hlink>
-        <a:srgbClr val="3FCDE7"/>
+        <a:srgbClr val="8E58B6"/>
       </a:hlink>
       <a:folHlink>
-        <a:srgbClr val="A9D3E1"/>
+        <a:srgbClr val="7F6F6F"/>
       </a:folHlink>
     </a:clrScheme>
-    <a:fontScheme name="Facet">
+    <a:fontScheme name="Facette">
       <a:majorFont>
         <a:latin typeface="Trebuchet MS" panose="020B0603020202020204"/>
         <a:ea typeface=""/>
@@ -8931,7 +8903,7 @@
         <a:font script="Geor" typeface="Sylfaen"/>
       </a:minorFont>
     </a:fontScheme>
-    <a:fmtScheme name="Facet">
+    <a:fmtScheme name="Facette">
       <a:fillStyleLst>
         <a:solidFill>
           <a:schemeClr val="phClr"/>
